--- a/PPT/PART 2.pptx
+++ b/PPT/PART 2.pptx
@@ -108,6 +108,11 @@
       </a:defRPr>
     </a:lvl9pPr>
   </p:defaultTextStyle>
+  <p:extLst>
+    <p:ext uri="{EFAFB233-063F-42B5-8137-9DF3F51BA10A}">
+      <p15:sldGuideLst xmlns:p15="http://schemas.microsoft.com/office/powerpoint/2012/main"/>
+    </p:ext>
+  </p:extLst>
 </p:presentation>
 </file>
 
@@ -250,7 +255,7 @@
           <a:p>
             <a:fld id="{48A87A34-81AB-432B-8DAE-1953F412C126}" type="datetimeFigureOut">
               <a:rPr lang="en-US" dirty="0"/>
-              <a:t>3/26/2021</a:t>
+              <a:t>4/11/2021</a:t>
             </a:fld>
             <a:endParaRPr lang="en-US" dirty="0"/>
           </a:p>
@@ -456,7 +461,7 @@
           <a:p>
             <a:fld id="{48A87A34-81AB-432B-8DAE-1953F412C126}" type="datetimeFigureOut">
               <a:rPr lang="en-US" dirty="0"/>
-              <a:t>3/26/2021</a:t>
+              <a:t>4/11/2021</a:t>
             </a:fld>
             <a:endParaRPr lang="en-US" dirty="0"/>
           </a:p>
@@ -666,7 +671,7 @@
           <a:p>
             <a:fld id="{48A87A34-81AB-432B-8DAE-1953F412C126}" type="datetimeFigureOut">
               <a:rPr lang="en-US" dirty="0"/>
-              <a:t>3/26/2021</a:t>
+              <a:t>4/11/2021</a:t>
             </a:fld>
             <a:endParaRPr lang="en-US" dirty="0"/>
           </a:p>
@@ -862,7 +867,7 @@
           <a:p>
             <a:fld id="{48A87A34-81AB-432B-8DAE-1953F412C126}" type="datetimeFigureOut">
               <a:rPr lang="en-US" dirty="0"/>
-              <a:t>3/26/2021</a:t>
+              <a:t>4/11/2021</a:t>
             </a:fld>
             <a:endParaRPr lang="en-US" dirty="0"/>
           </a:p>
@@ -1136,7 +1141,7 @@
           <a:p>
             <a:fld id="{48A87A34-81AB-432B-8DAE-1953F412C126}" type="datetimeFigureOut">
               <a:rPr lang="en-US" dirty="0"/>
-              <a:t>3/26/2021</a:t>
+              <a:t>4/11/2021</a:t>
             </a:fld>
             <a:endParaRPr lang="en-US" dirty="0"/>
           </a:p>
@@ -1399,7 +1404,7 @@
           <a:p>
             <a:fld id="{48A87A34-81AB-432B-8DAE-1953F412C126}" type="datetimeFigureOut">
               <a:rPr lang="en-US" dirty="0"/>
-              <a:t>3/26/2021</a:t>
+              <a:t>4/11/2021</a:t>
             </a:fld>
             <a:endParaRPr lang="en-US" dirty="0"/>
           </a:p>
@@ -1810,7 +1815,7 @@
           <a:p>
             <a:fld id="{48A87A34-81AB-432B-8DAE-1953F412C126}" type="datetimeFigureOut">
               <a:rPr lang="en-US" dirty="0"/>
-              <a:t>3/26/2021</a:t>
+              <a:t>4/11/2021</a:t>
             </a:fld>
             <a:endParaRPr lang="en-US" dirty="0"/>
           </a:p>
@@ -1954,7 +1959,7 @@
           <a:p>
             <a:fld id="{48A87A34-81AB-432B-8DAE-1953F412C126}" type="datetimeFigureOut">
               <a:rPr lang="en-US" dirty="0"/>
-              <a:t>3/26/2021</a:t>
+              <a:t>4/11/2021</a:t>
             </a:fld>
             <a:endParaRPr lang="en-US" dirty="0"/>
           </a:p>
@@ -2075,7 +2080,7 @@
           <a:p>
             <a:fld id="{48A87A34-81AB-432B-8DAE-1953F412C126}" type="datetimeFigureOut">
               <a:rPr lang="en-US" dirty="0"/>
-              <a:t>3/26/2021</a:t>
+              <a:t>4/11/2021</a:t>
             </a:fld>
             <a:endParaRPr lang="en-US" dirty="0"/>
           </a:p>
@@ -2321,7 +2326,7 @@
           <a:p>
             <a:fld id="{48A87A34-81AB-432B-8DAE-1953F412C126}" type="datetimeFigureOut">
               <a:rPr lang="en-US" dirty="0"/>
-              <a:t>3/26/2021</a:t>
+              <a:t>4/11/2021</a:t>
             </a:fld>
             <a:endParaRPr lang="en-US" dirty="0"/>
           </a:p>
@@ -2762,7 +2767,7 @@
             <a:fld id="{48A87A34-81AB-432B-8DAE-1953F412C126}" type="datetimeFigureOut">
               <a:rPr lang="en-US" dirty="0"/>
               <a:pPr/>
-              <a:t>3/26/2021</a:t>
+              <a:t>4/11/2021</a:t>
             </a:fld>
             <a:endParaRPr lang="en-US" dirty="0"/>
           </a:p>
@@ -3085,7 +3090,7 @@
             <a:fld id="{48A87A34-81AB-432B-8DAE-1953F412C126}" type="datetimeFigureOut">
               <a:rPr lang="en-US" dirty="0"/>
               <a:pPr/>
-              <a:t>3/26/2021</a:t>
+              <a:t>4/11/2021</a:t>
             </a:fld>
             <a:endParaRPr lang="en-US" dirty="0"/>
           </a:p>
